--- a/Информационный бот.pptx
+++ b/Информационный бот.pptx
@@ -12,6 +12,7 @@
     <p:sldId id="261" r:id="rId6"/>
     <p:sldId id="262" r:id="rId7"/>
     <p:sldId id="260" r:id="rId8"/>
+    <p:sldId id="263" r:id="rId9"/>
   </p:sldIdLst>
   <p:sldSz cx="9144000" cy="6858000" type="screen4x3"/>
   <p:notesSz cx="6858000" cy="9144000"/>
@@ -294,7 +295,8 @@
           <a:p>
             <a:fld id="{5B8705BF-28E8-427C-9F56-3D018BE818CA}" type="datetimeFigureOut">
               <a:rPr lang="ru-RU" smtClean="0"/>
-              <a:t>04.04.2024</a:t>
+              <a:pPr/>
+              <a:t>17.04.2024</a:t>
             </a:fld>
             <a:endParaRPr lang="ru-RU"/>
           </a:p>
@@ -336,6 +338,7 @@
           <a:p>
             <a:fld id="{EFFE5300-D93A-4541-AF67-69992188C693}" type="slidenum">
               <a:rPr lang="ru-RU" smtClean="0"/>
+              <a:pPr/>
               <a:t>‹#›</a:t>
             </a:fld>
             <a:endParaRPr lang="ru-RU"/>
@@ -459,7 +462,8 @@
           <a:p>
             <a:fld id="{5B8705BF-28E8-427C-9F56-3D018BE818CA}" type="datetimeFigureOut">
               <a:rPr lang="ru-RU" smtClean="0"/>
-              <a:t>04.04.2024</a:t>
+              <a:pPr/>
+              <a:t>17.04.2024</a:t>
             </a:fld>
             <a:endParaRPr lang="ru-RU"/>
           </a:p>
@@ -501,6 +505,7 @@
           <a:p>
             <a:fld id="{EFFE5300-D93A-4541-AF67-69992188C693}" type="slidenum">
               <a:rPr lang="ru-RU" smtClean="0"/>
+              <a:pPr/>
               <a:t>‹#›</a:t>
             </a:fld>
             <a:endParaRPr lang="ru-RU"/>
@@ -634,7 +639,8 @@
           <a:p>
             <a:fld id="{5B8705BF-28E8-427C-9F56-3D018BE818CA}" type="datetimeFigureOut">
               <a:rPr lang="ru-RU" smtClean="0"/>
-              <a:t>04.04.2024</a:t>
+              <a:pPr/>
+              <a:t>17.04.2024</a:t>
             </a:fld>
             <a:endParaRPr lang="ru-RU"/>
           </a:p>
@@ -676,6 +682,7 @@
           <a:p>
             <a:fld id="{EFFE5300-D93A-4541-AF67-69992188C693}" type="slidenum">
               <a:rPr lang="ru-RU" smtClean="0"/>
+              <a:pPr/>
               <a:t>‹#›</a:t>
             </a:fld>
             <a:endParaRPr lang="ru-RU"/>
@@ -799,7 +806,8 @@
           <a:p>
             <a:fld id="{5B8705BF-28E8-427C-9F56-3D018BE818CA}" type="datetimeFigureOut">
               <a:rPr lang="ru-RU" smtClean="0"/>
-              <a:t>04.04.2024</a:t>
+              <a:pPr/>
+              <a:t>17.04.2024</a:t>
             </a:fld>
             <a:endParaRPr lang="ru-RU"/>
           </a:p>
@@ -841,6 +849,7 @@
           <a:p>
             <a:fld id="{EFFE5300-D93A-4541-AF67-69992188C693}" type="slidenum">
               <a:rPr lang="ru-RU" smtClean="0"/>
+              <a:pPr/>
               <a:t>‹#›</a:t>
             </a:fld>
             <a:endParaRPr lang="ru-RU"/>
@@ -1040,7 +1049,8 @@
           <a:p>
             <a:fld id="{5B8705BF-28E8-427C-9F56-3D018BE818CA}" type="datetimeFigureOut">
               <a:rPr lang="ru-RU" smtClean="0"/>
-              <a:t>04.04.2024</a:t>
+              <a:pPr/>
+              <a:t>17.04.2024</a:t>
             </a:fld>
             <a:endParaRPr lang="ru-RU"/>
           </a:p>
@@ -1082,6 +1092,7 @@
           <a:p>
             <a:fld id="{EFFE5300-D93A-4541-AF67-69992188C693}" type="slidenum">
               <a:rPr lang="ru-RU" smtClean="0"/>
+              <a:pPr/>
               <a:t>‹#›</a:t>
             </a:fld>
             <a:endParaRPr lang="ru-RU"/>
@@ -1323,7 +1334,8 @@
           <a:p>
             <a:fld id="{5B8705BF-28E8-427C-9F56-3D018BE818CA}" type="datetimeFigureOut">
               <a:rPr lang="ru-RU" smtClean="0"/>
-              <a:t>04.04.2024</a:t>
+              <a:pPr/>
+              <a:t>17.04.2024</a:t>
             </a:fld>
             <a:endParaRPr lang="ru-RU"/>
           </a:p>
@@ -1365,6 +1377,7 @@
           <a:p>
             <a:fld id="{EFFE5300-D93A-4541-AF67-69992188C693}" type="slidenum">
               <a:rPr lang="ru-RU" smtClean="0"/>
+              <a:pPr/>
               <a:t>‹#›</a:t>
             </a:fld>
             <a:endParaRPr lang="ru-RU"/>
@@ -1740,7 +1753,8 @@
           <a:p>
             <a:fld id="{5B8705BF-28E8-427C-9F56-3D018BE818CA}" type="datetimeFigureOut">
               <a:rPr lang="ru-RU" smtClean="0"/>
-              <a:t>04.04.2024</a:t>
+              <a:pPr/>
+              <a:t>17.04.2024</a:t>
             </a:fld>
             <a:endParaRPr lang="ru-RU"/>
           </a:p>
@@ -1782,6 +1796,7 @@
           <a:p>
             <a:fld id="{EFFE5300-D93A-4541-AF67-69992188C693}" type="slidenum">
               <a:rPr lang="ru-RU" smtClean="0"/>
+              <a:pPr/>
               <a:t>‹#›</a:t>
             </a:fld>
             <a:endParaRPr lang="ru-RU"/>
@@ -1853,7 +1868,8 @@
           <a:p>
             <a:fld id="{5B8705BF-28E8-427C-9F56-3D018BE818CA}" type="datetimeFigureOut">
               <a:rPr lang="ru-RU" smtClean="0"/>
-              <a:t>04.04.2024</a:t>
+              <a:pPr/>
+              <a:t>17.04.2024</a:t>
             </a:fld>
             <a:endParaRPr lang="ru-RU"/>
           </a:p>
@@ -1895,6 +1911,7 @@
           <a:p>
             <a:fld id="{EFFE5300-D93A-4541-AF67-69992188C693}" type="slidenum">
               <a:rPr lang="ru-RU" smtClean="0"/>
+              <a:pPr/>
               <a:t>‹#›</a:t>
             </a:fld>
             <a:endParaRPr lang="ru-RU"/>
@@ -1943,7 +1960,8 @@
           <a:p>
             <a:fld id="{5B8705BF-28E8-427C-9F56-3D018BE818CA}" type="datetimeFigureOut">
               <a:rPr lang="ru-RU" smtClean="0"/>
-              <a:t>04.04.2024</a:t>
+              <a:pPr/>
+              <a:t>17.04.2024</a:t>
             </a:fld>
             <a:endParaRPr lang="ru-RU"/>
           </a:p>
@@ -1985,6 +2003,7 @@
           <a:p>
             <a:fld id="{EFFE5300-D93A-4541-AF67-69992188C693}" type="slidenum">
               <a:rPr lang="ru-RU" smtClean="0"/>
+              <a:pPr/>
               <a:t>‹#›</a:t>
             </a:fld>
             <a:endParaRPr lang="ru-RU"/>
@@ -2215,7 +2234,8 @@
           <a:p>
             <a:fld id="{5B8705BF-28E8-427C-9F56-3D018BE818CA}" type="datetimeFigureOut">
               <a:rPr lang="ru-RU" smtClean="0"/>
-              <a:t>04.04.2024</a:t>
+              <a:pPr/>
+              <a:t>17.04.2024</a:t>
             </a:fld>
             <a:endParaRPr lang="ru-RU"/>
           </a:p>
@@ -2257,6 +2277,7 @@
           <a:p>
             <a:fld id="{EFFE5300-D93A-4541-AF67-69992188C693}" type="slidenum">
               <a:rPr lang="ru-RU" smtClean="0"/>
+              <a:pPr/>
               <a:t>‹#›</a:t>
             </a:fld>
             <a:endParaRPr lang="ru-RU"/>
@@ -2463,7 +2484,8 @@
           <a:p>
             <a:fld id="{5B8705BF-28E8-427C-9F56-3D018BE818CA}" type="datetimeFigureOut">
               <a:rPr lang="ru-RU" smtClean="0"/>
-              <a:t>04.04.2024</a:t>
+              <a:pPr/>
+              <a:t>17.04.2024</a:t>
             </a:fld>
             <a:endParaRPr lang="ru-RU"/>
           </a:p>
@@ -2505,6 +2527,7 @@
           <a:p>
             <a:fld id="{EFFE5300-D93A-4541-AF67-69992188C693}" type="slidenum">
               <a:rPr lang="ru-RU" smtClean="0"/>
+              <a:pPr/>
               <a:t>‹#›</a:t>
             </a:fld>
             <a:endParaRPr lang="ru-RU"/>
@@ -2671,7 +2694,8 @@
           <a:p>
             <a:fld id="{5B8705BF-28E8-427C-9F56-3D018BE818CA}" type="datetimeFigureOut">
               <a:rPr lang="ru-RU" smtClean="0"/>
-              <a:t>04.04.2024</a:t>
+              <a:pPr/>
+              <a:t>17.04.2024</a:t>
             </a:fld>
             <a:endParaRPr lang="ru-RU"/>
           </a:p>
@@ -2749,6 +2773,7 @@
           <a:p>
             <a:fld id="{EFFE5300-D93A-4541-AF67-69992188C693}" type="slidenum">
               <a:rPr lang="ru-RU" smtClean="0"/>
+              <a:pPr/>
               <a:t>‹#›</a:t>
             </a:fld>
             <a:endParaRPr lang="ru-RU"/>
@@ -3193,8 +3218,17 @@
           <a:p>
             <a:r>
               <a:rPr lang="ru-RU" dirty="0" smtClean="0"/>
-              <a:t>Цель:</a:t>
-            </a:r>
+              <a:t>Цел</a:t>
+            </a:r>
+            <a:r>
+              <a:rPr lang="ru-RU" dirty="0" smtClean="0"/>
+              <a:t>и</a:t>
+            </a:r>
+            <a:r>
+              <a:rPr lang="ru-RU" dirty="0" smtClean="0"/>
+              <a:t>:</a:t>
+            </a:r>
+            <a:endParaRPr lang="ru-RU" dirty="0" smtClean="0"/>
           </a:p>
           <a:p>
             <a:r>
@@ -3318,7 +3352,7 @@
           <a:p>
             <a:r>
               <a:rPr lang="en-US" dirty="0" err="1" smtClean="0"/>
-              <a:t>Hydrogram</a:t>
+              <a:t>Pyrogram</a:t>
             </a:r>
             <a:r>
               <a:rPr lang="ru-RU" dirty="0" smtClean="0"/>
@@ -3329,8 +3363,8 @@
               <a:t>	</a:t>
             </a:r>
             <a:r>
-              <a:rPr lang="ru-RU" dirty="0" smtClean="0"/>
-              <a:t>0.1.4</a:t>
+              <a:rPr lang="en-US" dirty="0" smtClean="0"/>
+              <a:t>2.0.106</a:t>
             </a:r>
             <a:endParaRPr lang="ru-RU" dirty="0"/>
           </a:p>
@@ -3438,7 +3472,7 @@
         <p:spPr/>
         <p:txBody>
           <a:bodyPr>
-            <a:normAutofit fontScale="92500" lnSpcReduction="20000"/>
+            <a:normAutofit/>
           </a:bodyPr>
           <a:lstStyle/>
           <a:p>
@@ -3464,15 +3498,9 @@
             </a:r>
           </a:p>
           <a:p>
-            <a:endParaRPr lang="ru-RU" dirty="0"/>
-          </a:p>
-          <a:p>
-            <a:r>
-              <a:rPr lang="ru-RU" dirty="0" smtClean="0"/>
-              <a:t>Помощник по чату</a:t>
-            </a:r>
-          </a:p>
-          <a:p>
+            <a:pPr>
+              <a:buNone/>
+            </a:pPr>
             <a:endParaRPr lang="ru-RU" dirty="0"/>
           </a:p>
           <a:p>
@@ -3794,7 +3822,9 @@
         </p:nvSpPr>
         <p:spPr/>
         <p:txBody>
-          <a:bodyPr/>
+          <a:bodyPr>
+            <a:normAutofit lnSpcReduction="10000"/>
+          </a:bodyPr>
           <a:lstStyle/>
           <a:p>
             <a:pPr>
@@ -3806,7 +3836,48 @@
             </a:r>
             <a:r>
               <a:rPr lang="ru-RU" sz="2800" dirty="0" smtClean="0"/>
-              <a:t> – основной файл бота</a:t>
+              <a:t> – основной файл </a:t>
+            </a:r>
+            <a:r>
+              <a:rPr lang="ru-RU" sz="2800" dirty="0" smtClean="0"/>
+              <a:t>бота</a:t>
+            </a:r>
+          </a:p>
+          <a:p>
+            <a:pPr>
+              <a:buNone/>
+            </a:pPr>
+            <a:r>
+              <a:rPr lang="en-US" sz="2800" dirty="0" smtClean="0"/>
+              <a:t>| .</a:t>
+            </a:r>
+            <a:r>
+              <a:rPr lang="en-US" sz="2800" dirty="0" err="1" smtClean="0"/>
+              <a:t>env</a:t>
+            </a:r>
+            <a:r>
+              <a:rPr lang="ru-RU" sz="2800" dirty="0" smtClean="0"/>
+              <a:t> – хранение данных для работы бота </a:t>
+            </a:r>
+            <a:r>
+              <a:rPr lang="en-US" sz="2800" dirty="0" smtClean="0"/>
+              <a:t>(</a:t>
+            </a:r>
+            <a:r>
+              <a:rPr lang="en-US" sz="2800" dirty="0" err="1" smtClean="0"/>
+              <a:t>api</a:t>
+            </a:r>
+            <a:r>
+              <a:rPr lang="en-US" sz="2800" dirty="0" smtClean="0"/>
+              <a:t>, token, hash, I </a:t>
+            </a:r>
+            <a:r>
+              <a:rPr lang="en-US" sz="2800" dirty="0" err="1" smtClean="0"/>
+              <a:t>t.d</a:t>
+            </a:r>
+            <a:r>
+              <a:rPr lang="en-US" sz="2800" dirty="0" smtClean="0"/>
+              <a:t>.)</a:t>
             </a:r>
             <a:endParaRPr lang="en-US" sz="2800" dirty="0" smtClean="0"/>
           </a:p>
@@ -3816,11 +3887,19 @@
             </a:pPr>
             <a:r>
               <a:rPr lang="en-US" sz="2800" dirty="0" smtClean="0"/>
-              <a:t>| other/</a:t>
+              <a:t>| </a:t>
+            </a:r>
+            <a:r>
+              <a:rPr lang="en-US" sz="2800" dirty="0" smtClean="0"/>
+              <a:t>help/</a:t>
             </a:r>
             <a:r>
               <a:rPr lang="ru-RU" sz="2800" dirty="0" smtClean="0"/>
-              <a:t> - директория с в. ф.</a:t>
+              <a:t> </a:t>
+            </a:r>
+            <a:r>
+              <a:rPr lang="ru-RU" sz="2800" dirty="0" smtClean="0"/>
+              <a:t>- директория с в. ф.</a:t>
             </a:r>
             <a:endParaRPr lang="en-US" sz="2800" dirty="0" smtClean="0"/>
           </a:p>
@@ -3844,56 +3923,147 @@
             </a:pPr>
             <a:r>
               <a:rPr lang="en-US" dirty="0" smtClean="0"/>
-              <a:t>| info.py – </a:t>
+              <a:t>| </a:t>
+            </a:r>
+            <a:r>
+              <a:rPr lang="en-US" dirty="0" smtClean="0"/>
+              <a:t>async_requests.py </a:t>
+            </a:r>
+            <a:r>
+              <a:rPr lang="en-US" dirty="0" smtClean="0"/>
+              <a:t>– </a:t>
+            </a:r>
+            <a:r>
+              <a:rPr lang="ru-RU" dirty="0" err="1" smtClean="0"/>
+              <a:t>асинк</a:t>
             </a:r>
             <a:r>
               <a:rPr lang="ru-RU" dirty="0" smtClean="0"/>
-              <a:t>информационные функции </a:t>
+              <a:t> запросы</a:t>
+            </a:r>
+          </a:p>
+          <a:p>
+            <a:pPr lvl="1">
+              <a:buNone/>
+            </a:pPr>
+            <a:r>
+              <a:rPr lang="en-US" dirty="0" smtClean="0"/>
+              <a:t>| code_compile.py – </a:t>
+            </a:r>
+            <a:r>
+              <a:rPr lang="ru-RU" dirty="0" smtClean="0"/>
+              <a:t>компиляция кода</a:t>
+            </a:r>
+            <a:endParaRPr lang="ru-RU" dirty="0" smtClean="0"/>
+          </a:p>
+          <a:p>
+            <a:pPr lvl="1">
+              <a:buNone/>
+            </a:pPr>
+            <a:r>
+              <a:rPr lang="en-US" dirty="0" smtClean="0"/>
+              <a:t>|other/</a:t>
+            </a:r>
+            <a:r>
+              <a:rPr lang="ru-RU" dirty="0" smtClean="0"/>
+              <a:t> - прочее</a:t>
+            </a:r>
+          </a:p>
+          <a:p>
+            <a:pPr lvl="1">
+              <a:buNone/>
+            </a:pPr>
+            <a:r>
+              <a:rPr lang="en-US" dirty="0" smtClean="0"/>
+              <a:t>|info.py –</a:t>
+            </a:r>
+            <a:r>
+              <a:rPr lang="ru-RU" dirty="0" smtClean="0"/>
+              <a:t> информационные функции</a:t>
             </a:r>
             <a:endParaRPr lang="en-US" dirty="0" smtClean="0"/>
-          </a:p>
-          <a:p>
-            <a:pPr lvl="1">
-              <a:buNone/>
-            </a:pPr>
-            <a:r>
-              <a:rPr lang="en-US" dirty="0" smtClean="0"/>
-              <a:t>| .</a:t>
-            </a:r>
-            <a:r>
-              <a:rPr lang="en-US" dirty="0" err="1" smtClean="0"/>
-              <a:t>env</a:t>
-            </a:r>
-            <a:r>
-              <a:rPr lang="ru-RU" dirty="0" smtClean="0"/>
-              <a:t> – хранение данных для работы бота </a:t>
-            </a:r>
-            <a:r>
-              <a:rPr lang="en-US" dirty="0" smtClean="0"/>
-              <a:t>(</a:t>
-            </a:r>
-            <a:r>
-              <a:rPr lang="en-US" dirty="0" err="1" smtClean="0"/>
-              <a:t>api</a:t>
-            </a:r>
-            <a:r>
-              <a:rPr lang="en-US" dirty="0" smtClean="0"/>
-              <a:t>, token, hash, I </a:t>
-            </a:r>
-            <a:r>
-              <a:rPr lang="en-US" dirty="0" err="1" smtClean="0"/>
-              <a:t>t.d</a:t>
-            </a:r>
-            <a:r>
-              <a:rPr lang="en-US" dirty="0" smtClean="0"/>
-              <a:t>.)</a:t>
-            </a:r>
           </a:p>
           <a:p>
             <a:pPr lvl="1">
               <a:buNone/>
             </a:pPr>
             <a:endParaRPr lang="en-US" dirty="0" smtClean="0"/>
+          </a:p>
+        </p:txBody>
+      </p:sp>
+    </p:spTree>
+  </p:cSld>
+  <p:clrMapOvr>
+    <a:masterClrMapping/>
+  </p:clrMapOvr>
+</p:sld>
+</file>
+
+<file path=ppt/slides/slide8.xml><?xml version="1.0" encoding="utf-8"?>
+<p:sld xmlns:a="http://schemas.openxmlformats.org/drawingml/2006/main" xmlns:r="http://schemas.openxmlformats.org/officeDocument/2006/relationships" xmlns:p="http://schemas.openxmlformats.org/presentationml/2006/main">
+  <p:cSld>
+    <p:spTree>
+      <p:nvGrpSpPr>
+        <p:cNvPr id="1" name=""/>
+        <p:cNvGrpSpPr/>
+        <p:nvPr/>
+      </p:nvGrpSpPr>
+      <p:grpSpPr>
+        <a:xfrm>
+          <a:off x="0" y="0"/>
+          <a:ext cx="0" cy="0"/>
+          <a:chOff x="0" y="0"/>
+          <a:chExt cx="0" cy="0"/>
+        </a:xfrm>
+      </p:grpSpPr>
+      <p:sp>
+        <p:nvSpPr>
+          <p:cNvPr id="2" name="Заголовок 1"/>
+          <p:cNvSpPr>
+            <a:spLocks noGrp="1"/>
+          </p:cNvSpPr>
+          <p:nvPr>
+            <p:ph type="ctrTitle"/>
+          </p:nvPr>
+        </p:nvSpPr>
+        <p:spPr/>
+        <p:txBody>
+          <a:bodyPr/>
+          <a:lstStyle/>
+          <a:p>
+            <a:r>
+              <a:rPr lang="ru-RU" dirty="0" smtClean="0"/>
+              <a:t>Информационный бот</a:t>
+            </a:r>
+            <a:endParaRPr lang="ru-RU" dirty="0"/>
+          </a:p>
+        </p:txBody>
+      </p:sp>
+      <p:sp>
+        <p:nvSpPr>
+          <p:cNvPr id="3" name="Подзаголовок 2"/>
+          <p:cNvSpPr>
+            <a:spLocks noGrp="1"/>
+          </p:cNvSpPr>
+          <p:nvPr>
+            <p:ph type="subTitle" idx="1"/>
+          </p:nvPr>
+        </p:nvSpPr>
+        <p:spPr>
+          <a:xfrm>
+            <a:off x="1357290" y="5105400"/>
+            <a:ext cx="6400800" cy="1752600"/>
+          </a:xfrm>
+        </p:spPr>
+        <p:txBody>
+          <a:bodyPr/>
+          <a:lstStyle/>
+          <a:p>
+            <a:r>
+              <a:rPr lang="ru-RU" dirty="0" smtClean="0"/>
+              <a:t>Выполнил: Беседин Данил</a:t>
+            </a:r>
+            <a:endParaRPr lang="ru-RU" dirty="0"/>
           </a:p>
         </p:txBody>
       </p:sp>
